--- a/On The Day - Resources/PlymHack - 2018.pptx
+++ b/On The Day - Resources/PlymHack - 2018.pptx
@@ -4405,15 +4405,7 @@
           <a:p>
             <a:r>
               <a:rPr lang="en-GB" dirty="0"/>
-              <a:t>2pm – Talk from Lewis Smallwood (our Industry Outreach Officer) about </a:t>
-            </a:r>
-            <a:r>
-              <a:rPr lang="en-GB"/>
-              <a:t>using Git </a:t>
-            </a:r>
-            <a:r>
-              <a:rPr lang="en-GB" dirty="0"/>
-              <a:t>for version control</a:t>
+              <a:t>2pm – Talk from Lewis Smallwood (our Industry Outreach Officer) about using Git for version control</a:t>
             </a:r>
           </a:p>
           <a:p>
@@ -4425,13 +4417,13 @@
           <a:p>
             <a:r>
               <a:rPr lang="en-GB" dirty="0"/>
+              <a:t>3.30pm – Food &lt;3</a:t>
+            </a:r>
+          </a:p>
+          <a:p>
+            <a:r>
+              <a:rPr lang="en-GB" dirty="0"/>
               <a:t>4pm – Guest Speaker from elixel a local company on the Glitch platform</a:t>
-            </a:r>
-          </a:p>
-          <a:p>
-            <a:r>
-              <a:rPr lang="en-GB" dirty="0"/>
-              <a:t>6pm – Food &lt;3</a:t>
             </a:r>
           </a:p>
           <a:p>
